--- a/sem_3_file_system/presentations/caos_3.pptx
+++ b/sem_3_file_system/presentations/caos_3.pptx
@@ -272,7 +272,7 @@
           <a:p>
             <a:fld id="{1D8BD707-D9CF-40AE-B4C6-C98DA3205C09}" type="datetimeFigureOut">
               <a:rPr lang="en-US"/>
-              <a:t>9/26/2024</a:t>
+              <a:t>9/27/2024</a:t>
             </a:fld>
             <a:endParaRPr lang="en-US"/>
           </a:p>
@@ -449,7 +449,7 @@
           <a:p>
             <a:fld id="{1D8BD707-D9CF-40AE-B4C6-C98DA3205C09}" type="datetimeFigureOut">
               <a:rPr lang="en-US"/>
-              <a:t>9/26/2024</a:t>
+              <a:t>9/27/2024</a:t>
             </a:fld>
             <a:endParaRPr lang="en-US"/>
           </a:p>
@@ -663,7 +663,7 @@
           <a:p>
             <a:fld id="{1D8BD707-D9CF-40AE-B4C6-C98DA3205C09}" type="datetimeFigureOut">
               <a:rPr lang="en-US"/>
-              <a:t>9/26/2024</a:t>
+              <a:t>9/27/2024</a:t>
             </a:fld>
             <a:endParaRPr lang="en-US"/>
           </a:p>
@@ -841,7 +841,7 @@
           <a:p>
             <a:fld id="{1D8BD707-D9CF-40AE-B4C6-C98DA3205C09}" type="datetimeFigureOut">
               <a:rPr lang="en-US"/>
-              <a:t>9/26/2024</a:t>
+              <a:t>9/27/2024</a:t>
             </a:fld>
             <a:endParaRPr lang="en-US"/>
           </a:p>
@@ -960,7 +960,7 @@
           <a:p>
             <a:fld id="{1D8BD707-D9CF-40AE-B4C6-C98DA3205C09}" type="datetimeFigureOut">
               <a:rPr lang="en-US"/>
-              <a:t>9/26/2024</a:t>
+              <a:t>9/27/2024</a:t>
             </a:fld>
             <a:endParaRPr lang="en-US"/>
           </a:p>
@@ -1185,7 +1185,7 @@
           <a:p>
             <a:fld id="{1D8BD707-D9CF-40AE-B4C6-C98DA3205C09}" type="datetimeFigureOut">
               <a:rPr lang="en-US"/>
-              <a:t>9/26/2024</a:t>
+              <a:t>9/27/2024</a:t>
             </a:fld>
             <a:endParaRPr lang="en-US"/>
           </a:p>
@@ -3910,7 +3910,7 @@
               </a:rPr>
               <a:t>&lt;time.h&gt;</a:t>
             </a:r>
-            <a:endParaRPr sz="2600">
+            <a:endParaRPr sz="2600" dirty="0">
               <a:latin typeface="Courier New"/>
               <a:cs typeface="Courier New"/>
             </a:endParaRPr>
@@ -3924,7 +3924,7 @@
                 <a:spcPts val="30"/>
               </a:spcBef>
             </a:pPr>
-            <a:endParaRPr sz="2750">
+            <a:endParaRPr sz="2750" dirty="0">
               <a:latin typeface="Courier New"/>
               <a:cs typeface="Courier New"/>
             </a:endParaRPr>
@@ -3992,7 +3992,7 @@
               </a:rPr>
               <a:t>);</a:t>
             </a:r>
-            <a:endParaRPr sz="2600">
+            <a:endParaRPr sz="2600" dirty="0">
               <a:latin typeface="Courier New"/>
               <a:cs typeface="Courier New"/>
             </a:endParaRPr>
@@ -4006,7 +4006,7 @@
                 <a:spcPts val="30"/>
               </a:spcBef>
             </a:pPr>
-            <a:endParaRPr sz="2750">
+            <a:endParaRPr sz="2750" dirty="0">
               <a:latin typeface="Courier New"/>
               <a:cs typeface="Courier New"/>
             </a:endParaRPr>
@@ -4150,7 +4150,7 @@
               </a:rPr>
               <a:t>.</a:t>
             </a:r>
-            <a:endParaRPr sz="2600">
+            <a:endParaRPr sz="2600" dirty="0">
               <a:latin typeface="Courier New"/>
               <a:cs typeface="Courier New"/>
             </a:endParaRPr>
@@ -4381,7 +4381,7 @@
               </a:rPr>
               <a:t>быть</a:t>
             </a:r>
-            <a:endParaRPr sz="2600">
+            <a:endParaRPr sz="2600" dirty="0">
               <a:latin typeface="Courier New"/>
               <a:cs typeface="Courier New"/>
             </a:endParaRPr>
@@ -4402,7 +4402,7 @@
               </a:rPr>
               <a:t>NULL)</a:t>
             </a:r>
-            <a:endParaRPr sz="2600">
+            <a:endParaRPr sz="2600" dirty="0">
               <a:latin typeface="Courier New"/>
               <a:cs typeface="Courier New"/>
             </a:endParaRPr>
@@ -4547,7 +4547,7 @@
               </a:rPr>
               <a:t>*/</a:t>
             </a:r>
-            <a:endParaRPr sz="2600">
+            <a:endParaRPr sz="2600" dirty="0">
               <a:latin typeface="Courier New"/>
               <a:cs typeface="Courier New"/>
             </a:endParaRPr>
@@ -9115,8 +9115,25 @@
               </a:rPr>
               <a:t> </a:t>
             </a:r>
-            <a:r>
-              <a:rPr sz="2800" spc="25" dirty="0">
+            <a:endParaRPr lang="en-US" sz="2800" spc="30" dirty="0">
+              <a:solidFill>
+                <a:srgbClr val="000000"/>
+              </a:solidFill>
+              <a:latin typeface="Arial" panose="020B0604020202020204" pitchFamily="34" charset="0"/>
+              <a:cs typeface="Arial" panose="020B0604020202020204" pitchFamily="34" charset="0"/>
+            </a:endParaRPr>
+          </a:p>
+          <a:p>
+            <a:pPr marL="12700" marR="5080">
+              <a:lnSpc>
+                <a:spcPct val="200800"/>
+              </a:lnSpc>
+              <a:spcBef>
+                <a:spcPts val="5"/>
+              </a:spcBef>
+            </a:pPr>
+            <a:r>
+              <a:rPr sz="2800" spc="25" dirty="0" err="1">
                 <a:solidFill>
                   <a:srgbClr val="000000"/>
                 </a:solidFill>
@@ -11877,6 +11894,17 @@
               </a:rPr>
               <a:t>); </a:t>
             </a:r>
+            <a:endParaRPr lang="en-US" sz="2800" b="1" spc="5" dirty="0">
+              <a:latin typeface="Arial" panose="020B0604020202020204" pitchFamily="34" charset="0"/>
+              <a:cs typeface="Arial" panose="020B0604020202020204" pitchFamily="34" charset="0"/>
+            </a:endParaRPr>
+          </a:p>
+          <a:p>
+            <a:pPr marL="12700" marR="8054975">
+              <a:lnSpc>
+                <a:spcPts val="2890"/>
+              </a:lnSpc>
+            </a:pPr>
             <a:r>
               <a:rPr sz="2800" b="1" spc="-1485" dirty="0">
                 <a:latin typeface="Arial" panose="020B0604020202020204" pitchFamily="34" charset="0"/>
